--- a/Bursa.pptx
+++ b/Bursa.pptx
@@ -5,12 +5,13 @@
     <p:sldMasterId id="2147483648" r:id="rId1"/>
   </p:sldMasterIdLst>
   <p:notesMasterIdLst>
-    <p:notesMasterId r:id="rId5"/>
+    <p:notesMasterId r:id="rId6"/>
   </p:notesMasterIdLst>
   <p:sldIdLst>
     <p:sldId id="256" r:id="rId2"/>
     <p:sldId id="257" r:id="rId3"/>
     <p:sldId id="258" r:id="rId4"/>
+    <p:sldId id="259" r:id="rId5"/>
   </p:sldIdLst>
   <p:sldSz cx="12192000" cy="6858000"/>
   <p:notesSz cx="6858000" cy="9144000"/>
@@ -109,6 +110,11 @@
       </a:defRPr>
     </a:lvl9pPr>
   </p:defaultTextStyle>
+  <p:extLst>
+    <p:ext uri="{EFAFB233-063F-42B5-8137-9DF3F51BA10A}">
+      <p15:sldGuideLst xmlns:p15="http://schemas.microsoft.com/office/powerpoint/2012/main"/>
+    </p:ext>
+  </p:extLst>
 </p:presentation>
 </file>
 
@@ -194,7 +200,7 @@
           <a:p>
             <a:fld id="{BE6B0ED6-BFCF-4A6F-974B-DA0CFF8A4AFD}" type="datetimeFigureOut">
               <a:rPr lang="tr-TR" smtClean="0"/>
-              <a:t>5.02.2025</a:t>
+              <a:t>6.02.2025</a:t>
             </a:fld>
             <a:endParaRPr lang="tr-TR"/>
           </a:p>
@@ -695,7 +701,7 @@
           <a:p>
             <a:fld id="{91D72C21-2421-423C-A8ED-844EB0A26202}" type="datetimeFigureOut">
               <a:rPr lang="tr-TR" smtClean="0"/>
-              <a:t>5.02.2025</a:t>
+              <a:t>6.02.2025</a:t>
             </a:fld>
             <a:endParaRPr lang="tr-TR"/>
           </a:p>
@@ -895,7 +901,7 @@
           <a:p>
             <a:fld id="{91D72C21-2421-423C-A8ED-844EB0A26202}" type="datetimeFigureOut">
               <a:rPr lang="tr-TR" smtClean="0"/>
-              <a:t>5.02.2025</a:t>
+              <a:t>6.02.2025</a:t>
             </a:fld>
             <a:endParaRPr lang="tr-TR"/>
           </a:p>
@@ -1105,7 +1111,7 @@
           <a:p>
             <a:fld id="{91D72C21-2421-423C-A8ED-844EB0A26202}" type="datetimeFigureOut">
               <a:rPr lang="tr-TR" smtClean="0"/>
-              <a:t>5.02.2025</a:t>
+              <a:t>6.02.2025</a:t>
             </a:fld>
             <a:endParaRPr lang="tr-TR"/>
           </a:p>
@@ -1305,7 +1311,7 @@
           <a:p>
             <a:fld id="{91D72C21-2421-423C-A8ED-844EB0A26202}" type="datetimeFigureOut">
               <a:rPr lang="tr-TR" smtClean="0"/>
-              <a:t>5.02.2025</a:t>
+              <a:t>6.02.2025</a:t>
             </a:fld>
             <a:endParaRPr lang="tr-TR"/>
           </a:p>
@@ -1581,7 +1587,7 @@
           <a:p>
             <a:fld id="{91D72C21-2421-423C-A8ED-844EB0A26202}" type="datetimeFigureOut">
               <a:rPr lang="tr-TR" smtClean="0"/>
-              <a:t>5.02.2025</a:t>
+              <a:t>6.02.2025</a:t>
             </a:fld>
             <a:endParaRPr lang="tr-TR"/>
           </a:p>
@@ -1849,7 +1855,7 @@
           <a:p>
             <a:fld id="{91D72C21-2421-423C-A8ED-844EB0A26202}" type="datetimeFigureOut">
               <a:rPr lang="tr-TR" smtClean="0"/>
-              <a:t>5.02.2025</a:t>
+              <a:t>6.02.2025</a:t>
             </a:fld>
             <a:endParaRPr lang="tr-TR"/>
           </a:p>
@@ -2264,7 +2270,7 @@
           <a:p>
             <a:fld id="{91D72C21-2421-423C-A8ED-844EB0A26202}" type="datetimeFigureOut">
               <a:rPr lang="tr-TR" smtClean="0"/>
-              <a:t>5.02.2025</a:t>
+              <a:t>6.02.2025</a:t>
             </a:fld>
             <a:endParaRPr lang="tr-TR"/>
           </a:p>
@@ -2406,7 +2412,7 @@
           <a:p>
             <a:fld id="{91D72C21-2421-423C-A8ED-844EB0A26202}" type="datetimeFigureOut">
               <a:rPr lang="tr-TR" smtClean="0"/>
-              <a:t>5.02.2025</a:t>
+              <a:t>6.02.2025</a:t>
             </a:fld>
             <a:endParaRPr lang="tr-TR"/>
           </a:p>
@@ -2519,7 +2525,7 @@
           <a:p>
             <a:fld id="{91D72C21-2421-423C-A8ED-844EB0A26202}" type="datetimeFigureOut">
               <a:rPr lang="tr-TR" smtClean="0"/>
-              <a:t>5.02.2025</a:t>
+              <a:t>6.02.2025</a:t>
             </a:fld>
             <a:endParaRPr lang="tr-TR"/>
           </a:p>
@@ -2832,7 +2838,7 @@
           <a:p>
             <a:fld id="{91D72C21-2421-423C-A8ED-844EB0A26202}" type="datetimeFigureOut">
               <a:rPr lang="tr-TR" smtClean="0"/>
-              <a:t>5.02.2025</a:t>
+              <a:t>6.02.2025</a:t>
             </a:fld>
             <a:endParaRPr lang="tr-TR"/>
           </a:p>
@@ -3121,7 +3127,7 @@
           <a:p>
             <a:fld id="{91D72C21-2421-423C-A8ED-844EB0A26202}" type="datetimeFigureOut">
               <a:rPr lang="tr-TR" smtClean="0"/>
-              <a:t>5.02.2025</a:t>
+              <a:t>6.02.2025</a:t>
             </a:fld>
             <a:endParaRPr lang="tr-TR"/>
           </a:p>
@@ -3364,7 +3370,7 @@
           <a:p>
             <a:fld id="{91D72C21-2421-423C-A8ED-844EB0A26202}" type="datetimeFigureOut">
               <a:rPr lang="tr-TR" smtClean="0"/>
-              <a:t>5.02.2025</a:t>
+              <a:t>6.02.2025</a:t>
             </a:fld>
             <a:endParaRPr lang="tr-TR"/>
           </a:p>
@@ -3965,6 +3971,96 @@
     <p:extLst>
       <p:ext uri="{BB962C8B-B14F-4D97-AF65-F5344CB8AC3E}">
         <p14:creationId xmlns:p14="http://schemas.microsoft.com/office/powerpoint/2010/main" val="2813300908"/>
+      </p:ext>
+    </p:extLst>
+  </p:cSld>
+  <p:clrMapOvr>
+    <a:masterClrMapping/>
+  </p:clrMapOvr>
+</p:sld>
+</file>
+
+<file path=ppt/slides/slide4.xml><?xml version="1.0" encoding="utf-8"?>
+<p:sld xmlns:a="http://schemas.openxmlformats.org/drawingml/2006/main" xmlns:r="http://schemas.openxmlformats.org/officeDocument/2006/relationships" xmlns:p="http://schemas.openxmlformats.org/presentationml/2006/main">
+  <p:cSld>
+    <p:spTree>
+      <p:nvGrpSpPr>
+        <p:cNvPr id="1" name=""/>
+        <p:cNvGrpSpPr/>
+        <p:nvPr/>
+      </p:nvGrpSpPr>
+      <p:grpSpPr>
+        <a:xfrm>
+          <a:off x="0" y="0"/>
+          <a:ext cx="0" cy="0"/>
+          <a:chOff x="0" y="0"/>
+          <a:chExt cx="0" cy="0"/>
+        </a:xfrm>
+      </p:grpSpPr>
+      <p:pic>
+        <p:nvPicPr>
+          <p:cNvPr id="7" name="Picture 6">
+            <a:extLst>
+              <a:ext uri="{FF2B5EF4-FFF2-40B4-BE49-F238E27FC236}">
+                <a16:creationId xmlns:a16="http://schemas.microsoft.com/office/drawing/2014/main" id="{ACE1BE5E-BE6C-4CE3-BA3B-5152192ABDEB}"/>
+              </a:ext>
+            </a:extLst>
+          </p:cNvPr>
+          <p:cNvPicPr>
+            <a:picLocks noChangeAspect="1"/>
+          </p:cNvPicPr>
+          <p:nvPr/>
+        </p:nvPicPr>
+        <p:blipFill>
+          <a:blip r:embed="rId2"/>
+          <a:stretch>
+            <a:fillRect/>
+          </a:stretch>
+        </p:blipFill>
+        <p:spPr>
+          <a:xfrm>
+            <a:off x="23674" y="0"/>
+            <a:ext cx="11830050" cy="5629275"/>
+          </a:xfrm>
+          <a:prstGeom prst="rect">
+            <a:avLst/>
+          </a:prstGeom>
+        </p:spPr>
+      </p:pic>
+      <p:pic>
+        <p:nvPicPr>
+          <p:cNvPr id="5" name="Picture 4">
+            <a:extLst>
+              <a:ext uri="{FF2B5EF4-FFF2-40B4-BE49-F238E27FC236}">
+                <a16:creationId xmlns:a16="http://schemas.microsoft.com/office/drawing/2014/main" id="{A83BE7CC-A9EC-43C5-A2BE-C95DA70C975C}"/>
+              </a:ext>
+            </a:extLst>
+          </p:cNvPr>
+          <p:cNvPicPr>
+            <a:picLocks noChangeAspect="1"/>
+          </p:cNvPicPr>
+          <p:nvPr/>
+        </p:nvPicPr>
+        <p:blipFill>
+          <a:blip r:embed="rId3"/>
+          <a:stretch>
+            <a:fillRect/>
+          </a:stretch>
+        </p:blipFill>
+        <p:spPr>
+          <a:xfrm>
+            <a:off x="8023702" y="3352523"/>
+            <a:ext cx="3228975" cy="3248025"/>
+          </a:xfrm>
+          <a:prstGeom prst="rect">
+            <a:avLst/>
+          </a:prstGeom>
+        </p:spPr>
+      </p:pic>
+    </p:spTree>
+    <p:extLst>
+      <p:ext uri="{BB962C8B-B14F-4D97-AF65-F5344CB8AC3E}">
+        <p14:creationId xmlns:p14="http://schemas.microsoft.com/office/powerpoint/2010/main" val="358706736"/>
       </p:ext>
     </p:extLst>
   </p:cSld>
